--- a/Productdocument/Bijlage/Ilustraties/Ontwerp.pptx
+++ b/Productdocument/Bijlage/Ilustraties/Ontwerp.pptx
@@ -259,7 +259,7 @@
           <a:p>
             <a:fld id="{D3715CBA-D5A9-4A59-AFD5-8084B007DFAC}" type="datetimeFigureOut">
               <a:rPr lang="nl-NL" smtClean="0"/>
-              <a:t>15-5-2025</a:t>
+              <a:t>28-5-2025</a:t>
             </a:fld>
             <a:endParaRPr lang="nl-NL"/>
           </a:p>
@@ -457,7 +457,7 @@
           <a:p>
             <a:fld id="{D3715CBA-D5A9-4A59-AFD5-8084B007DFAC}" type="datetimeFigureOut">
               <a:rPr lang="nl-NL" smtClean="0"/>
-              <a:t>15-5-2025</a:t>
+              <a:t>28-5-2025</a:t>
             </a:fld>
             <a:endParaRPr lang="nl-NL"/>
           </a:p>
@@ -665,7 +665,7 @@
           <a:p>
             <a:fld id="{D3715CBA-D5A9-4A59-AFD5-8084B007DFAC}" type="datetimeFigureOut">
               <a:rPr lang="nl-NL" smtClean="0"/>
-              <a:t>15-5-2025</a:t>
+              <a:t>28-5-2025</a:t>
             </a:fld>
             <a:endParaRPr lang="nl-NL"/>
           </a:p>
@@ -863,7 +863,7 @@
           <a:p>
             <a:fld id="{D3715CBA-D5A9-4A59-AFD5-8084B007DFAC}" type="datetimeFigureOut">
               <a:rPr lang="nl-NL" smtClean="0"/>
-              <a:t>15-5-2025</a:t>
+              <a:t>28-5-2025</a:t>
             </a:fld>
             <a:endParaRPr lang="nl-NL"/>
           </a:p>
@@ -1138,7 +1138,7 @@
           <a:p>
             <a:fld id="{D3715CBA-D5A9-4A59-AFD5-8084B007DFAC}" type="datetimeFigureOut">
               <a:rPr lang="nl-NL" smtClean="0"/>
-              <a:t>15-5-2025</a:t>
+              <a:t>28-5-2025</a:t>
             </a:fld>
             <a:endParaRPr lang="nl-NL"/>
           </a:p>
@@ -1403,7 +1403,7 @@
           <a:p>
             <a:fld id="{D3715CBA-D5A9-4A59-AFD5-8084B007DFAC}" type="datetimeFigureOut">
               <a:rPr lang="nl-NL" smtClean="0"/>
-              <a:t>15-5-2025</a:t>
+              <a:t>28-5-2025</a:t>
             </a:fld>
             <a:endParaRPr lang="nl-NL"/>
           </a:p>
@@ -1815,7 +1815,7 @@
           <a:p>
             <a:fld id="{D3715CBA-D5A9-4A59-AFD5-8084B007DFAC}" type="datetimeFigureOut">
               <a:rPr lang="nl-NL" smtClean="0"/>
-              <a:t>15-5-2025</a:t>
+              <a:t>28-5-2025</a:t>
             </a:fld>
             <a:endParaRPr lang="nl-NL"/>
           </a:p>
@@ -1956,7 +1956,7 @@
           <a:p>
             <a:fld id="{D3715CBA-D5A9-4A59-AFD5-8084B007DFAC}" type="datetimeFigureOut">
               <a:rPr lang="nl-NL" smtClean="0"/>
-              <a:t>15-5-2025</a:t>
+              <a:t>28-5-2025</a:t>
             </a:fld>
             <a:endParaRPr lang="nl-NL"/>
           </a:p>
@@ -2069,7 +2069,7 @@
           <a:p>
             <a:fld id="{D3715CBA-D5A9-4A59-AFD5-8084B007DFAC}" type="datetimeFigureOut">
               <a:rPr lang="nl-NL" smtClean="0"/>
-              <a:t>15-5-2025</a:t>
+              <a:t>28-5-2025</a:t>
             </a:fld>
             <a:endParaRPr lang="nl-NL"/>
           </a:p>
@@ -2380,7 +2380,7 @@
           <a:p>
             <a:fld id="{D3715CBA-D5A9-4A59-AFD5-8084B007DFAC}" type="datetimeFigureOut">
               <a:rPr lang="nl-NL" smtClean="0"/>
-              <a:t>15-5-2025</a:t>
+              <a:t>28-5-2025</a:t>
             </a:fld>
             <a:endParaRPr lang="nl-NL"/>
           </a:p>
@@ -2668,7 +2668,7 @@
           <a:p>
             <a:fld id="{D3715CBA-D5A9-4A59-AFD5-8084B007DFAC}" type="datetimeFigureOut">
               <a:rPr lang="nl-NL" smtClean="0"/>
-              <a:t>15-5-2025</a:t>
+              <a:t>28-5-2025</a:t>
             </a:fld>
             <a:endParaRPr lang="nl-NL"/>
           </a:p>
@@ -2909,7 +2909,7 @@
           <a:p>
             <a:fld id="{D3715CBA-D5A9-4A59-AFD5-8084B007DFAC}" type="datetimeFigureOut">
               <a:rPr lang="nl-NL" smtClean="0"/>
-              <a:t>15-5-2025</a:t>
+              <a:t>28-5-2025</a:t>
             </a:fld>
             <a:endParaRPr lang="nl-NL"/>
           </a:p>
@@ -4117,10 +4117,10 @@
       </p:sp>
       <p:cxnSp>
         <p:nvCxnSpPr>
-          <p:cNvPr id="31" name="Rechte verbindingslijn met pijl 30">
-            <a:extLst>
-              <a:ext uri="{FF2B5EF4-FFF2-40B4-BE49-F238E27FC236}">
-                <a16:creationId xmlns:a16="http://schemas.microsoft.com/office/drawing/2014/main" id="{088221A4-AFED-90D8-D875-F59FB103ADBC}"/>
+          <p:cNvPr id="11" name="Rechte verbindingslijn 10">
+            <a:extLst>
+              <a:ext uri="{FF2B5EF4-FFF2-40B4-BE49-F238E27FC236}">
+                <a16:creationId xmlns:a16="http://schemas.microsoft.com/office/drawing/2014/main" id="{5346E22D-6CE6-9E71-980D-395F090E5F7F}"/>
               </a:ext>
             </a:extLst>
           </p:cNvPr>
@@ -4128,19 +4128,13 @@
           <p:nvPr/>
         </p:nvCxnSpPr>
         <p:spPr>
-          <a:xfrm>
-            <a:off x="3502152" y="411480"/>
-            <a:ext cx="0" cy="521208"/>
-          </a:xfrm>
-          <a:prstGeom prst="straightConnector1">
+          <a:xfrm flipV="1">
+            <a:off x="3705101" y="605642"/>
+            <a:ext cx="0" cy="418486"/>
+          </a:xfrm>
+          <a:prstGeom prst="line">
             <a:avLst/>
           </a:prstGeom>
-          <a:ln>
-            <a:solidFill>
-              <a:schemeClr val="tx1"/>
-            </a:solidFill>
-            <a:tailEnd type="triangle"/>
-          </a:ln>
         </p:spPr>
         <p:style>
           <a:lnRef idx="2">
@@ -4159,32 +4153,24 @@
       </p:cxnSp>
       <p:cxnSp>
         <p:nvCxnSpPr>
-          <p:cNvPr id="32" name="Rechte verbindingslijn met pijl 31">
-            <a:extLst>
-              <a:ext uri="{FF2B5EF4-FFF2-40B4-BE49-F238E27FC236}">
-                <a16:creationId xmlns:a16="http://schemas.microsoft.com/office/drawing/2014/main" id="{FD045FA9-B886-F86A-DC56-81EA3BCE52A7}"/>
-              </a:ext>
-            </a:extLst>
-          </p:cNvPr>
-          <p:cNvCxnSpPr>
-            <a:cxnSpLocks/>
-          </p:cNvCxnSpPr>
+          <p:cNvPr id="17" name="Rechte verbindingslijn 16">
+            <a:extLst>
+              <a:ext uri="{FF2B5EF4-FFF2-40B4-BE49-F238E27FC236}">
+                <a16:creationId xmlns:a16="http://schemas.microsoft.com/office/drawing/2014/main" id="{C295182B-15CD-350D-9E1A-3A989B081C20}"/>
+              </a:ext>
+            </a:extLst>
+          </p:cNvPr>
+          <p:cNvCxnSpPr/>
           <p:nvPr/>
         </p:nvCxnSpPr>
         <p:spPr>
           <a:xfrm flipH="1">
-            <a:off x="9089136" y="3995928"/>
-            <a:ext cx="490728" cy="0"/>
-          </a:xfrm>
-          <a:prstGeom prst="straightConnector1">
+            <a:off x="8887968" y="1572768"/>
+            <a:ext cx="837923" cy="0"/>
+          </a:xfrm>
+          <a:prstGeom prst="line">
             <a:avLst/>
           </a:prstGeom>
-          <a:ln>
-            <a:solidFill>
-              <a:schemeClr val="tx1"/>
-            </a:solidFill>
-            <a:tailEnd type="triangle"/>
-          </a:ln>
         </p:spPr>
         <p:style>
           <a:lnRef idx="2">
@@ -4201,110 +4187,26 @@
           </a:fontRef>
         </p:style>
       </p:cxnSp>
-      <p:sp>
-        <p:nvSpPr>
-          <p:cNvPr id="34" name="Tekstvak 33">
-            <a:extLst>
-              <a:ext uri="{FF2B5EF4-FFF2-40B4-BE49-F238E27FC236}">
-                <a16:creationId xmlns:a16="http://schemas.microsoft.com/office/drawing/2014/main" id="{F7C93EAB-E82C-ABF6-2022-76DE7FD6E42D}"/>
-              </a:ext>
-            </a:extLst>
-          </p:cNvPr>
-          <p:cNvSpPr txBox="1"/>
+      <p:cxnSp>
+        <p:nvCxnSpPr>
+          <p:cNvPr id="22" name="Rechte verbindingslijn 21">
+            <a:extLst>
+              <a:ext uri="{FF2B5EF4-FFF2-40B4-BE49-F238E27FC236}">
+                <a16:creationId xmlns:a16="http://schemas.microsoft.com/office/drawing/2014/main" id="{5C8A3A4B-4A73-2C41-96E7-BF0A1001DE72}"/>
+              </a:ext>
+            </a:extLst>
+          </p:cNvPr>
+          <p:cNvCxnSpPr/>
           <p:nvPr/>
-        </p:nvSpPr>
-        <p:spPr>
-          <a:xfrm>
-            <a:off x="3557016" y="442698"/>
-            <a:ext cx="1830323" cy="369332"/>
-          </a:xfrm>
-          <a:prstGeom prst="rect">
+        </p:nvCxnSpPr>
+        <p:spPr>
+          <a:xfrm flipH="1">
+            <a:off x="8887968" y="3979164"/>
+            <a:ext cx="837923" cy="0"/>
+          </a:xfrm>
+          <a:prstGeom prst="line">
             <a:avLst/>
           </a:prstGeom>
-          <a:noFill/>
-        </p:spPr>
-        <p:txBody>
-          <a:bodyPr wrap="square" rtlCol="0">
-            <a:spAutoFit/>
-          </a:bodyPr>
-          <a:lstStyle/>
-          <a:p>
-            <a:r>
-              <a:rPr lang="nl-NL" dirty="0"/>
-              <a:t>12V aansluiting</a:t>
-            </a:r>
-          </a:p>
-        </p:txBody>
-      </p:sp>
-      <p:sp>
-        <p:nvSpPr>
-          <p:cNvPr id="35" name="Tekstvak 34">
-            <a:extLst>
-              <a:ext uri="{FF2B5EF4-FFF2-40B4-BE49-F238E27FC236}">
-                <a16:creationId xmlns:a16="http://schemas.microsoft.com/office/drawing/2014/main" id="{7EF91F44-07A9-F04B-1AE2-6632F5078D92}"/>
-              </a:ext>
-            </a:extLst>
-          </p:cNvPr>
-          <p:cNvSpPr txBox="1"/>
-          <p:nvPr/>
-        </p:nvSpPr>
-        <p:spPr>
-          <a:xfrm>
-            <a:off x="9579864" y="3534263"/>
-            <a:ext cx="1173480" cy="923330"/>
-          </a:xfrm>
-          <a:prstGeom prst="rect">
-            <a:avLst/>
-          </a:prstGeom>
-          <a:noFill/>
-        </p:spPr>
-        <p:txBody>
-          <a:bodyPr wrap="square" rtlCol="0">
-            <a:spAutoFit/>
-          </a:bodyPr>
-          <a:lstStyle/>
-          <a:p>
-            <a:r>
-              <a:rPr lang="nl-NL" dirty="0"/>
-              <a:t>Ingang afstands</a:t>
-            </a:r>
-          </a:p>
-          <a:p>
-            <a:r>
-              <a:rPr lang="nl-NL" dirty="0"/>
-              <a:t>-sensor</a:t>
-            </a:r>
-          </a:p>
-        </p:txBody>
-      </p:sp>
-      <p:cxnSp>
-        <p:nvCxnSpPr>
-          <p:cNvPr id="36" name="Rechte verbindingslijn met pijl 35">
-            <a:extLst>
-              <a:ext uri="{FF2B5EF4-FFF2-40B4-BE49-F238E27FC236}">
-                <a16:creationId xmlns:a16="http://schemas.microsoft.com/office/drawing/2014/main" id="{AF259AA7-1CD8-D25E-7338-3DD01D2511D2}"/>
-              </a:ext>
-            </a:extLst>
-          </p:cNvPr>
-          <p:cNvCxnSpPr>
-            <a:cxnSpLocks/>
-          </p:cNvCxnSpPr>
-          <p:nvPr/>
-        </p:nvCxnSpPr>
-        <p:spPr>
-          <a:xfrm flipV="1">
-            <a:off x="8051111" y="1559052"/>
-            <a:ext cx="1404336" cy="530352"/>
-          </a:xfrm>
-          <a:prstGeom prst="straightConnector1">
-            <a:avLst/>
-          </a:prstGeom>
-          <a:ln>
-            <a:solidFill>
-              <a:schemeClr val="tx1"/>
-            </a:solidFill>
-            <a:tailEnd type="triangle"/>
-          </a:ln>
         </p:spPr>
         <p:style>
           <a:lnRef idx="2">
@@ -4321,53 +4223,12 @@
           </a:fontRef>
         </p:style>
       </p:cxnSp>
-      <p:sp>
-        <p:nvSpPr>
-          <p:cNvPr id="38" name="Tekstvak 37">
-            <a:extLst>
-              <a:ext uri="{FF2B5EF4-FFF2-40B4-BE49-F238E27FC236}">
-                <a16:creationId xmlns:a16="http://schemas.microsoft.com/office/drawing/2014/main" id="{135AAC69-D36C-2B78-FC77-434471A38E76}"/>
-              </a:ext>
-            </a:extLst>
-          </p:cNvPr>
-          <p:cNvSpPr txBox="1"/>
-          <p:nvPr/>
-        </p:nvSpPr>
-        <p:spPr>
-          <a:xfrm>
-            <a:off x="9480088" y="1024128"/>
-            <a:ext cx="2036064" cy="923330"/>
-          </a:xfrm>
-          <a:prstGeom prst="rect">
-            <a:avLst/>
-          </a:prstGeom>
-          <a:noFill/>
-        </p:spPr>
-        <p:txBody>
-          <a:bodyPr wrap="square" rtlCol="0">
-            <a:spAutoFit/>
-          </a:bodyPr>
-          <a:lstStyle/>
-          <a:p>
-            <a:r>
-              <a:rPr lang="nl-NL" dirty="0"/>
-              <a:t>Oled-scherm 128X64 pixels</a:t>
-            </a:r>
-          </a:p>
-          <a:p>
-            <a:r>
-              <a:rPr lang="nl-NL" dirty="0"/>
-              <a:t>Afmeting: 6X4 cm</a:t>
-            </a:r>
-          </a:p>
-        </p:txBody>
-      </p:sp>
       <p:cxnSp>
         <p:nvCxnSpPr>
-          <p:cNvPr id="39" name="Rechte verbindingslijn met pijl 38">
-            <a:extLst>
-              <a:ext uri="{FF2B5EF4-FFF2-40B4-BE49-F238E27FC236}">
-                <a16:creationId xmlns:a16="http://schemas.microsoft.com/office/drawing/2014/main" id="{FB3BB5A3-E16C-F829-F686-BACAEA7C64A1}"/>
+          <p:cNvPr id="24" name="Rechte verbindingslijn 23">
+            <a:extLst>
+              <a:ext uri="{FF2B5EF4-FFF2-40B4-BE49-F238E27FC236}">
+                <a16:creationId xmlns:a16="http://schemas.microsoft.com/office/drawing/2014/main" id="{2A348EEA-EE19-E521-C291-D6E6DEB07B44}"/>
               </a:ext>
             </a:extLst>
           </p:cNvPr>
@@ -4377,19 +4238,13 @@
           <p:nvPr/>
         </p:nvCxnSpPr>
         <p:spPr>
-          <a:xfrm>
-            <a:off x="6111240" y="4058412"/>
-            <a:ext cx="906018" cy="996112"/>
-          </a:xfrm>
-          <a:prstGeom prst="straightConnector1">
+          <a:xfrm flipV="1">
+            <a:off x="4376549" y="3995928"/>
+            <a:ext cx="231077" cy="1264841"/>
+          </a:xfrm>
+          <a:prstGeom prst="line">
             <a:avLst/>
           </a:prstGeom>
-          <a:ln>
-            <a:solidFill>
-              <a:schemeClr val="tx1"/>
-            </a:solidFill>
-            <a:tailEnd type="triangle"/>
-          </a:ln>
         </p:spPr>
         <p:style>
           <a:lnRef idx="2">
@@ -4406,47 +4261,12 @@
           </a:fontRef>
         </p:style>
       </p:cxnSp>
-      <p:sp>
-        <p:nvSpPr>
-          <p:cNvPr id="42" name="Tekstvak 41">
-            <a:extLst>
-              <a:ext uri="{FF2B5EF4-FFF2-40B4-BE49-F238E27FC236}">
-                <a16:creationId xmlns:a16="http://schemas.microsoft.com/office/drawing/2014/main" id="{6B7675D1-9F9C-76EE-D038-95006F152E54}"/>
-              </a:ext>
-            </a:extLst>
-          </p:cNvPr>
-          <p:cNvSpPr txBox="1"/>
-          <p:nvPr/>
-        </p:nvSpPr>
-        <p:spPr>
-          <a:xfrm>
-            <a:off x="6790943" y="5024549"/>
-            <a:ext cx="1830323" cy="369332"/>
-          </a:xfrm>
-          <a:prstGeom prst="rect">
-            <a:avLst/>
-          </a:prstGeom>
-          <a:noFill/>
-        </p:spPr>
-        <p:txBody>
-          <a:bodyPr wrap="square" rtlCol="0">
-            <a:spAutoFit/>
-          </a:bodyPr>
-          <a:lstStyle/>
-          <a:p>
-            <a:r>
-              <a:rPr lang="nl-NL" dirty="0"/>
-              <a:t>Drukknoppen</a:t>
-            </a:r>
-          </a:p>
-        </p:txBody>
-      </p:sp>
       <p:cxnSp>
         <p:nvCxnSpPr>
-          <p:cNvPr id="43" name="Rechte verbindingslijn met pijl 42">
-            <a:extLst>
-              <a:ext uri="{FF2B5EF4-FFF2-40B4-BE49-F238E27FC236}">
-                <a16:creationId xmlns:a16="http://schemas.microsoft.com/office/drawing/2014/main" id="{5681DE5E-D3CA-6390-91B9-60539778B8E4}"/>
+          <p:cNvPr id="30" name="Rechte verbindingslijn 29">
+            <a:extLst>
+              <a:ext uri="{FF2B5EF4-FFF2-40B4-BE49-F238E27FC236}">
+                <a16:creationId xmlns:a16="http://schemas.microsoft.com/office/drawing/2014/main" id="{8AEC7E9E-459C-5472-CF3D-03F02509AFEF}"/>
               </a:ext>
             </a:extLst>
           </p:cNvPr>
@@ -4456,19 +4276,13 @@
           <p:nvPr/>
         </p:nvCxnSpPr>
         <p:spPr>
-          <a:xfrm flipH="1">
-            <a:off x="2376541" y="3649980"/>
-            <a:ext cx="1125611" cy="16764"/>
-          </a:xfrm>
-          <a:prstGeom prst="straightConnector1">
+          <a:xfrm flipV="1">
+            <a:off x="5602224" y="3995928"/>
+            <a:ext cx="0" cy="1264841"/>
+          </a:xfrm>
+          <a:prstGeom prst="line">
             <a:avLst/>
           </a:prstGeom>
-          <a:ln>
-            <a:solidFill>
-              <a:schemeClr val="tx1"/>
-            </a:solidFill>
-            <a:tailEnd type="triangle"/>
-          </a:ln>
         </p:spPr>
         <p:style>
           <a:lnRef idx="2">
@@ -4485,12 +4299,88 @@
           </a:fontRef>
         </p:style>
       </p:cxnSp>
-      <p:sp>
-        <p:nvSpPr>
-          <p:cNvPr id="47" name="Tekstvak 46">
-            <a:extLst>
-              <a:ext uri="{FF2B5EF4-FFF2-40B4-BE49-F238E27FC236}">
-                <a16:creationId xmlns:a16="http://schemas.microsoft.com/office/drawing/2014/main" id="{921F2052-F3BA-D206-15FE-D9DFD456C4A0}"/>
+      <p:cxnSp>
+        <p:nvCxnSpPr>
+          <p:cNvPr id="33" name="Rechte verbindingslijn 32">
+            <a:extLst>
+              <a:ext uri="{FF2B5EF4-FFF2-40B4-BE49-F238E27FC236}">
+                <a16:creationId xmlns:a16="http://schemas.microsoft.com/office/drawing/2014/main" id="{147625B7-A2AE-862F-1F07-AA5E02028874}"/>
+              </a:ext>
+            </a:extLst>
+          </p:cNvPr>
+          <p:cNvCxnSpPr>
+            <a:cxnSpLocks/>
+          </p:cNvCxnSpPr>
+          <p:nvPr/>
+        </p:nvCxnSpPr>
+        <p:spPr>
+          <a:xfrm flipH="1" flipV="1">
+            <a:off x="6480428" y="3995928"/>
+            <a:ext cx="382" cy="1264841"/>
+          </a:xfrm>
+          <a:prstGeom prst="line">
+            <a:avLst/>
+          </a:prstGeom>
+        </p:spPr>
+        <p:style>
+          <a:lnRef idx="2">
+            <a:schemeClr val="accent1"/>
+          </a:lnRef>
+          <a:fillRef idx="0">
+            <a:schemeClr val="accent1"/>
+          </a:fillRef>
+          <a:effectRef idx="1">
+            <a:schemeClr val="accent1"/>
+          </a:effectRef>
+          <a:fontRef idx="minor">
+            <a:schemeClr val="tx1"/>
+          </a:fontRef>
+        </p:style>
+      </p:cxnSp>
+      <p:cxnSp>
+        <p:nvCxnSpPr>
+          <p:cNvPr id="44" name="Rechte verbindingslijn 43">
+            <a:extLst>
+              <a:ext uri="{FF2B5EF4-FFF2-40B4-BE49-F238E27FC236}">
+                <a16:creationId xmlns:a16="http://schemas.microsoft.com/office/drawing/2014/main" id="{3C765396-B6E0-0F65-21CB-A2B832772AC6}"/>
+              </a:ext>
+            </a:extLst>
+          </p:cNvPr>
+          <p:cNvCxnSpPr>
+            <a:cxnSpLocks/>
+          </p:cNvCxnSpPr>
+          <p:nvPr/>
+        </p:nvCxnSpPr>
+        <p:spPr>
+          <a:xfrm flipH="1" flipV="1">
+            <a:off x="7352884" y="3972900"/>
+            <a:ext cx="297423" cy="1287869"/>
+          </a:xfrm>
+          <a:prstGeom prst="line">
+            <a:avLst/>
+          </a:prstGeom>
+        </p:spPr>
+        <p:style>
+          <a:lnRef idx="2">
+            <a:schemeClr val="accent1"/>
+          </a:lnRef>
+          <a:fillRef idx="0">
+            <a:schemeClr val="accent1"/>
+          </a:fillRef>
+          <a:effectRef idx="1">
+            <a:schemeClr val="accent1"/>
+          </a:effectRef>
+          <a:fontRef idx="minor">
+            <a:schemeClr val="tx1"/>
+          </a:fontRef>
+        </p:style>
+      </p:cxnSp>
+      <p:sp>
+        <p:nvSpPr>
+          <p:cNvPr id="50" name="Tekstvak 49">
+            <a:extLst>
+              <a:ext uri="{FF2B5EF4-FFF2-40B4-BE49-F238E27FC236}">
+                <a16:creationId xmlns:a16="http://schemas.microsoft.com/office/drawing/2014/main" id="{EA4F19BE-86D7-E4A9-2A60-C7B466ABF993}"/>
               </a:ext>
             </a:extLst>
           </p:cNvPr>
@@ -4499,8 +4389,8 @@
         </p:nvSpPr>
         <p:spPr>
           <a:xfrm>
-            <a:off x="688927" y="3196697"/>
-            <a:ext cx="2036064" cy="923330"/>
+            <a:off x="4207685" y="5260769"/>
+            <a:ext cx="1140031" cy="369332"/>
           </a:xfrm>
           <a:prstGeom prst="rect">
             <a:avLst/>
@@ -4514,8 +4404,620 @@
           <a:lstStyle/>
           <a:p>
             <a:r>
-              <a:rPr lang="nl-NL" dirty="0"/>
-              <a:t>Behuizing maximaal 12x8x5cm (lxbxh)</a:t>
+              <a:rPr lang="nl-NL" b="1" dirty="0">
+                <a:latin typeface="Arial" panose="020B0604020202020204" pitchFamily="34" charset="0"/>
+                <a:cs typeface="Arial" panose="020B0604020202020204" pitchFamily="34" charset="0"/>
+              </a:rPr>
+              <a:t>1</a:t>
+            </a:r>
+          </a:p>
+        </p:txBody>
+      </p:sp>
+      <p:sp>
+        <p:nvSpPr>
+          <p:cNvPr id="52" name="Tekstvak 51">
+            <a:extLst>
+              <a:ext uri="{FF2B5EF4-FFF2-40B4-BE49-F238E27FC236}">
+                <a16:creationId xmlns:a16="http://schemas.microsoft.com/office/drawing/2014/main" id="{952F7B70-1FC1-2127-9988-67A3F55403A2}"/>
+              </a:ext>
+            </a:extLst>
+          </p:cNvPr>
+          <p:cNvSpPr txBox="1"/>
+          <p:nvPr/>
+        </p:nvSpPr>
+        <p:spPr>
+          <a:xfrm>
+            <a:off x="5440798" y="5260769"/>
+            <a:ext cx="1140031" cy="369332"/>
+          </a:xfrm>
+          <a:prstGeom prst="rect">
+            <a:avLst/>
+          </a:prstGeom>
+          <a:noFill/>
+        </p:spPr>
+        <p:txBody>
+          <a:bodyPr wrap="square" rtlCol="0">
+            <a:spAutoFit/>
+          </a:bodyPr>
+          <a:lstStyle/>
+          <a:p>
+            <a:r>
+              <a:rPr lang="nl-NL" b="1" dirty="0">
+                <a:latin typeface="Arial" panose="020B0604020202020204" pitchFamily="34" charset="0"/>
+                <a:cs typeface="Arial" panose="020B0604020202020204" pitchFamily="34" charset="0"/>
+              </a:rPr>
+              <a:t>2</a:t>
+            </a:r>
+          </a:p>
+        </p:txBody>
+      </p:sp>
+      <p:sp>
+        <p:nvSpPr>
+          <p:cNvPr id="53" name="Tekstvak 52">
+            <a:extLst>
+              <a:ext uri="{FF2B5EF4-FFF2-40B4-BE49-F238E27FC236}">
+                <a16:creationId xmlns:a16="http://schemas.microsoft.com/office/drawing/2014/main" id="{E273C932-46D4-1C69-BA0B-06DF7E9732B7}"/>
+              </a:ext>
+            </a:extLst>
+          </p:cNvPr>
+          <p:cNvSpPr txBox="1"/>
+          <p:nvPr/>
+        </p:nvSpPr>
+        <p:spPr>
+          <a:xfrm>
+            <a:off x="6329967" y="5249875"/>
+            <a:ext cx="1140031" cy="369332"/>
+          </a:xfrm>
+          <a:prstGeom prst="rect">
+            <a:avLst/>
+          </a:prstGeom>
+          <a:noFill/>
+        </p:spPr>
+        <p:txBody>
+          <a:bodyPr wrap="square" rtlCol="0">
+            <a:spAutoFit/>
+          </a:bodyPr>
+          <a:lstStyle/>
+          <a:p>
+            <a:r>
+              <a:rPr lang="nl-NL" b="1" dirty="0">
+                <a:latin typeface="Arial" panose="020B0604020202020204" pitchFamily="34" charset="0"/>
+                <a:cs typeface="Arial" panose="020B0604020202020204" pitchFamily="34" charset="0"/>
+              </a:rPr>
+              <a:t>3</a:t>
+            </a:r>
+          </a:p>
+        </p:txBody>
+      </p:sp>
+      <p:sp>
+        <p:nvSpPr>
+          <p:cNvPr id="54" name="Tekstvak 53">
+            <a:extLst>
+              <a:ext uri="{FF2B5EF4-FFF2-40B4-BE49-F238E27FC236}">
+                <a16:creationId xmlns:a16="http://schemas.microsoft.com/office/drawing/2014/main" id="{A233EA69-B41D-EB6C-2096-808DD4BC0CC5}"/>
+              </a:ext>
+            </a:extLst>
+          </p:cNvPr>
+          <p:cNvSpPr txBox="1"/>
+          <p:nvPr/>
+        </p:nvSpPr>
+        <p:spPr>
+          <a:xfrm>
+            <a:off x="7501595" y="5260769"/>
+            <a:ext cx="1140031" cy="369332"/>
+          </a:xfrm>
+          <a:prstGeom prst="rect">
+            <a:avLst/>
+          </a:prstGeom>
+          <a:noFill/>
+        </p:spPr>
+        <p:txBody>
+          <a:bodyPr wrap="square" rtlCol="0">
+            <a:spAutoFit/>
+          </a:bodyPr>
+          <a:lstStyle/>
+          <a:p>
+            <a:r>
+              <a:rPr lang="nl-NL" b="1" dirty="0">
+                <a:latin typeface="Arial" panose="020B0604020202020204" pitchFamily="34" charset="0"/>
+                <a:cs typeface="Arial" panose="020B0604020202020204" pitchFamily="34" charset="0"/>
+              </a:rPr>
+              <a:t>4</a:t>
+            </a:r>
+          </a:p>
+        </p:txBody>
+      </p:sp>
+      <p:sp>
+        <p:nvSpPr>
+          <p:cNvPr id="55" name="Tekstvak 54">
+            <a:extLst>
+              <a:ext uri="{FF2B5EF4-FFF2-40B4-BE49-F238E27FC236}">
+                <a16:creationId xmlns:a16="http://schemas.microsoft.com/office/drawing/2014/main" id="{61F46DCC-8136-0EE3-D907-57B867884C7C}"/>
+              </a:ext>
+            </a:extLst>
+          </p:cNvPr>
+          <p:cNvSpPr txBox="1"/>
+          <p:nvPr/>
+        </p:nvSpPr>
+        <p:spPr>
+          <a:xfrm>
+            <a:off x="9721140" y="3811262"/>
+            <a:ext cx="1140031" cy="369332"/>
+          </a:xfrm>
+          <a:prstGeom prst="rect">
+            <a:avLst/>
+          </a:prstGeom>
+          <a:noFill/>
+        </p:spPr>
+        <p:txBody>
+          <a:bodyPr wrap="square" rtlCol="0">
+            <a:spAutoFit/>
+          </a:bodyPr>
+          <a:lstStyle/>
+          <a:p>
+            <a:r>
+              <a:rPr lang="nl-NL" b="1" dirty="0">
+                <a:latin typeface="Arial" panose="020B0604020202020204" pitchFamily="34" charset="0"/>
+                <a:cs typeface="Arial" panose="020B0604020202020204" pitchFamily="34" charset="0"/>
+              </a:rPr>
+              <a:t>5</a:t>
+            </a:r>
+          </a:p>
+        </p:txBody>
+      </p:sp>
+      <p:sp>
+        <p:nvSpPr>
+          <p:cNvPr id="56" name="Tekstvak 55">
+            <a:extLst>
+              <a:ext uri="{FF2B5EF4-FFF2-40B4-BE49-F238E27FC236}">
+                <a16:creationId xmlns:a16="http://schemas.microsoft.com/office/drawing/2014/main" id="{453DDADB-8ADB-7D27-C7C2-B6D80C21CC58}"/>
+              </a:ext>
+            </a:extLst>
+          </p:cNvPr>
+          <p:cNvSpPr txBox="1"/>
+          <p:nvPr/>
+        </p:nvSpPr>
+        <p:spPr>
+          <a:xfrm>
+            <a:off x="9721140" y="1389888"/>
+            <a:ext cx="1140031" cy="369332"/>
+          </a:xfrm>
+          <a:prstGeom prst="rect">
+            <a:avLst/>
+          </a:prstGeom>
+          <a:noFill/>
+        </p:spPr>
+        <p:txBody>
+          <a:bodyPr wrap="square" rtlCol="0">
+            <a:spAutoFit/>
+          </a:bodyPr>
+          <a:lstStyle/>
+          <a:p>
+            <a:r>
+              <a:rPr lang="nl-NL" b="1" dirty="0">
+                <a:latin typeface="Arial" panose="020B0604020202020204" pitchFamily="34" charset="0"/>
+                <a:cs typeface="Arial" panose="020B0604020202020204" pitchFamily="34" charset="0"/>
+              </a:rPr>
+              <a:t>7</a:t>
+            </a:r>
+          </a:p>
+        </p:txBody>
+      </p:sp>
+      <p:sp>
+        <p:nvSpPr>
+          <p:cNvPr id="57" name="Tekstvak 56">
+            <a:extLst>
+              <a:ext uri="{FF2B5EF4-FFF2-40B4-BE49-F238E27FC236}">
+                <a16:creationId xmlns:a16="http://schemas.microsoft.com/office/drawing/2014/main" id="{E155072B-54BF-3B87-87D7-E1F092A6D7AA}"/>
+              </a:ext>
+            </a:extLst>
+          </p:cNvPr>
+          <p:cNvSpPr txBox="1"/>
+          <p:nvPr/>
+        </p:nvSpPr>
+        <p:spPr>
+          <a:xfrm>
+            <a:off x="3467595" y="251879"/>
+            <a:ext cx="1140031" cy="369332"/>
+          </a:xfrm>
+          <a:prstGeom prst="rect">
+            <a:avLst/>
+          </a:prstGeom>
+          <a:noFill/>
+        </p:spPr>
+        <p:txBody>
+          <a:bodyPr wrap="square" rtlCol="0">
+            <a:spAutoFit/>
+          </a:bodyPr>
+          <a:lstStyle/>
+          <a:p>
+            <a:r>
+              <a:rPr lang="nl-NL" b="1" dirty="0">
+                <a:latin typeface="Arial" panose="020B0604020202020204" pitchFamily="34" charset="0"/>
+                <a:cs typeface="Arial" panose="020B0604020202020204" pitchFamily="34" charset="0"/>
+              </a:rPr>
+              <a:t>11</a:t>
+            </a:r>
+          </a:p>
+        </p:txBody>
+      </p:sp>
+      <p:cxnSp>
+        <p:nvCxnSpPr>
+          <p:cNvPr id="58" name="Rechte verbindingslijn 57">
+            <a:extLst>
+              <a:ext uri="{FF2B5EF4-FFF2-40B4-BE49-F238E27FC236}">
+                <a16:creationId xmlns:a16="http://schemas.microsoft.com/office/drawing/2014/main" id="{FFF13424-768F-1DC6-36C0-8177186790EB}"/>
+              </a:ext>
+            </a:extLst>
+          </p:cNvPr>
+          <p:cNvCxnSpPr>
+            <a:cxnSpLocks/>
+          </p:cNvCxnSpPr>
+          <p:nvPr/>
+        </p:nvCxnSpPr>
+        <p:spPr>
+          <a:xfrm flipV="1">
+            <a:off x="5949696" y="658527"/>
+            <a:ext cx="0" cy="810609"/>
+          </a:xfrm>
+          <a:prstGeom prst="line">
+            <a:avLst/>
+          </a:prstGeom>
+        </p:spPr>
+        <p:style>
+          <a:lnRef idx="2">
+            <a:schemeClr val="accent1"/>
+          </a:lnRef>
+          <a:fillRef idx="0">
+            <a:schemeClr val="accent1"/>
+          </a:fillRef>
+          <a:effectRef idx="1">
+            <a:schemeClr val="accent1"/>
+          </a:effectRef>
+          <a:fontRef idx="minor">
+            <a:schemeClr val="tx1"/>
+          </a:fontRef>
+        </p:style>
+      </p:cxnSp>
+      <p:cxnSp>
+        <p:nvCxnSpPr>
+          <p:cNvPr id="60" name="Rechte verbindingslijn 59">
+            <a:extLst>
+              <a:ext uri="{FF2B5EF4-FFF2-40B4-BE49-F238E27FC236}">
+                <a16:creationId xmlns:a16="http://schemas.microsoft.com/office/drawing/2014/main" id="{9B45B7AC-86DF-AEE5-5440-D9355C50ACBB}"/>
+              </a:ext>
+            </a:extLst>
+          </p:cNvPr>
+          <p:cNvCxnSpPr>
+            <a:cxnSpLocks/>
+          </p:cNvCxnSpPr>
+          <p:nvPr/>
+        </p:nvCxnSpPr>
+        <p:spPr>
+          <a:xfrm flipV="1">
+            <a:off x="6664036" y="690781"/>
+            <a:ext cx="0" cy="962037"/>
+          </a:xfrm>
+          <a:prstGeom prst="line">
+            <a:avLst/>
+          </a:prstGeom>
+        </p:spPr>
+        <p:style>
+          <a:lnRef idx="2">
+            <a:schemeClr val="accent1"/>
+          </a:lnRef>
+          <a:fillRef idx="0">
+            <a:schemeClr val="accent1"/>
+          </a:fillRef>
+          <a:effectRef idx="1">
+            <a:schemeClr val="accent1"/>
+          </a:effectRef>
+          <a:fontRef idx="minor">
+            <a:schemeClr val="tx1"/>
+          </a:fontRef>
+        </p:style>
+      </p:cxnSp>
+      <p:cxnSp>
+        <p:nvCxnSpPr>
+          <p:cNvPr id="64" name="Rechte verbindingslijn 63">
+            <a:extLst>
+              <a:ext uri="{FF2B5EF4-FFF2-40B4-BE49-F238E27FC236}">
+                <a16:creationId xmlns:a16="http://schemas.microsoft.com/office/drawing/2014/main" id="{C506E4BA-46A3-882D-7603-965FDC17142A}"/>
+              </a:ext>
+            </a:extLst>
+          </p:cNvPr>
+          <p:cNvCxnSpPr>
+            <a:cxnSpLocks/>
+          </p:cNvCxnSpPr>
+          <p:nvPr/>
+        </p:nvCxnSpPr>
+        <p:spPr>
+          <a:xfrm flipV="1">
+            <a:off x="7786877" y="531461"/>
+            <a:ext cx="0" cy="858427"/>
+          </a:xfrm>
+          <a:prstGeom prst="line">
+            <a:avLst/>
+          </a:prstGeom>
+        </p:spPr>
+        <p:style>
+          <a:lnRef idx="2">
+            <a:schemeClr val="accent1"/>
+          </a:lnRef>
+          <a:fillRef idx="0">
+            <a:schemeClr val="accent1"/>
+          </a:fillRef>
+          <a:effectRef idx="1">
+            <a:schemeClr val="accent1"/>
+          </a:effectRef>
+          <a:fontRef idx="minor">
+            <a:schemeClr val="tx1"/>
+          </a:fontRef>
+        </p:style>
+      </p:cxnSp>
+      <p:cxnSp>
+        <p:nvCxnSpPr>
+          <p:cNvPr id="69" name="Rechte verbindingslijn 68">
+            <a:extLst>
+              <a:ext uri="{FF2B5EF4-FFF2-40B4-BE49-F238E27FC236}">
+                <a16:creationId xmlns:a16="http://schemas.microsoft.com/office/drawing/2014/main" id="{FAE09281-AB56-493D-3805-4F958264CCA2}"/>
+              </a:ext>
+            </a:extLst>
+          </p:cNvPr>
+          <p:cNvCxnSpPr>
+            <a:cxnSpLocks/>
+            <a:stCxn id="25" idx="3"/>
+          </p:cNvCxnSpPr>
+          <p:nvPr/>
+        </p:nvCxnSpPr>
+        <p:spPr>
+          <a:xfrm flipH="1">
+            <a:off x="7543800" y="1389888"/>
+            <a:ext cx="249936" cy="3770"/>
+          </a:xfrm>
+          <a:prstGeom prst="line">
+            <a:avLst/>
+          </a:prstGeom>
+        </p:spPr>
+        <p:style>
+          <a:lnRef idx="2">
+            <a:schemeClr val="accent1"/>
+          </a:lnRef>
+          <a:fillRef idx="0">
+            <a:schemeClr val="accent1"/>
+          </a:fillRef>
+          <a:effectRef idx="1">
+            <a:schemeClr val="accent1"/>
+          </a:effectRef>
+          <a:fontRef idx="minor">
+            <a:schemeClr val="tx1"/>
+          </a:fontRef>
+        </p:style>
+      </p:cxnSp>
+      <p:cxnSp>
+        <p:nvCxnSpPr>
+          <p:cNvPr id="75" name="Rechte verbindingslijn 74">
+            <a:extLst>
+              <a:ext uri="{FF2B5EF4-FFF2-40B4-BE49-F238E27FC236}">
+                <a16:creationId xmlns:a16="http://schemas.microsoft.com/office/drawing/2014/main" id="{3A856DF6-751C-95F8-D95C-AA24052E6903}"/>
+              </a:ext>
+            </a:extLst>
+          </p:cNvPr>
+          <p:cNvCxnSpPr>
+            <a:cxnSpLocks/>
+          </p:cNvCxnSpPr>
+          <p:nvPr/>
+        </p:nvCxnSpPr>
+        <p:spPr>
+          <a:xfrm flipH="1">
+            <a:off x="6664036" y="1652818"/>
+            <a:ext cx="340268" cy="0"/>
+          </a:xfrm>
+          <a:prstGeom prst="line">
+            <a:avLst/>
+          </a:prstGeom>
+        </p:spPr>
+        <p:style>
+          <a:lnRef idx="2">
+            <a:schemeClr val="accent1"/>
+          </a:lnRef>
+          <a:fillRef idx="0">
+            <a:schemeClr val="accent1"/>
+          </a:fillRef>
+          <a:effectRef idx="1">
+            <a:schemeClr val="accent1"/>
+          </a:effectRef>
+          <a:fontRef idx="minor">
+            <a:schemeClr val="tx1"/>
+          </a:fontRef>
+        </p:style>
+      </p:cxnSp>
+      <p:cxnSp>
+        <p:nvCxnSpPr>
+          <p:cNvPr id="77" name="Rechte verbindingslijn 76">
+            <a:extLst>
+              <a:ext uri="{FF2B5EF4-FFF2-40B4-BE49-F238E27FC236}">
+                <a16:creationId xmlns:a16="http://schemas.microsoft.com/office/drawing/2014/main" id="{5CD5630A-969D-6256-26FB-D304A026230B}"/>
+              </a:ext>
+            </a:extLst>
+          </p:cNvPr>
+          <p:cNvCxnSpPr>
+            <a:cxnSpLocks/>
+          </p:cNvCxnSpPr>
+          <p:nvPr/>
+        </p:nvCxnSpPr>
+        <p:spPr>
+          <a:xfrm flipH="1" flipV="1">
+            <a:off x="7543800" y="2463725"/>
+            <a:ext cx="1628775" cy="27432"/>
+          </a:xfrm>
+          <a:prstGeom prst="line">
+            <a:avLst/>
+          </a:prstGeom>
+        </p:spPr>
+        <p:style>
+          <a:lnRef idx="2">
+            <a:schemeClr val="accent1"/>
+          </a:lnRef>
+          <a:fillRef idx="0">
+            <a:schemeClr val="accent1"/>
+          </a:fillRef>
+          <a:effectRef idx="1">
+            <a:schemeClr val="accent1"/>
+          </a:effectRef>
+          <a:fontRef idx="minor">
+            <a:schemeClr val="tx1"/>
+          </a:fontRef>
+        </p:style>
+      </p:cxnSp>
+      <p:sp>
+        <p:nvSpPr>
+          <p:cNvPr id="79" name="Tekstvak 78">
+            <a:extLst>
+              <a:ext uri="{FF2B5EF4-FFF2-40B4-BE49-F238E27FC236}">
+                <a16:creationId xmlns:a16="http://schemas.microsoft.com/office/drawing/2014/main" id="{5B9A0249-617A-B01A-7BE0-E9ADE1B98A37}"/>
+              </a:ext>
+            </a:extLst>
+          </p:cNvPr>
+          <p:cNvSpPr txBox="1"/>
+          <p:nvPr/>
+        </p:nvSpPr>
+        <p:spPr>
+          <a:xfrm>
+            <a:off x="9194251" y="2282136"/>
+            <a:ext cx="1140031" cy="369332"/>
+          </a:xfrm>
+          <a:prstGeom prst="rect">
+            <a:avLst/>
+          </a:prstGeom>
+          <a:noFill/>
+        </p:spPr>
+        <p:txBody>
+          <a:bodyPr wrap="square" rtlCol="0">
+            <a:spAutoFit/>
+          </a:bodyPr>
+          <a:lstStyle/>
+          <a:p>
+            <a:r>
+              <a:rPr lang="nl-NL" b="1" dirty="0">
+                <a:latin typeface="Arial" panose="020B0604020202020204" pitchFamily="34" charset="0"/>
+                <a:cs typeface="Arial" panose="020B0604020202020204" pitchFamily="34" charset="0"/>
+              </a:rPr>
+              <a:t>6</a:t>
+            </a:r>
+          </a:p>
+        </p:txBody>
+      </p:sp>
+      <p:sp>
+        <p:nvSpPr>
+          <p:cNvPr id="80" name="Tekstvak 79">
+            <a:extLst>
+              <a:ext uri="{FF2B5EF4-FFF2-40B4-BE49-F238E27FC236}">
+                <a16:creationId xmlns:a16="http://schemas.microsoft.com/office/drawing/2014/main" id="{553E3337-7973-7760-8899-B6B3D3DA2996}"/>
+              </a:ext>
+            </a:extLst>
+          </p:cNvPr>
+          <p:cNvSpPr txBox="1"/>
+          <p:nvPr/>
+        </p:nvSpPr>
+        <p:spPr>
+          <a:xfrm>
+            <a:off x="7639850" y="179656"/>
+            <a:ext cx="1140031" cy="369332"/>
+          </a:xfrm>
+          <a:prstGeom prst="rect">
+            <a:avLst/>
+          </a:prstGeom>
+          <a:noFill/>
+        </p:spPr>
+        <p:txBody>
+          <a:bodyPr wrap="square" rtlCol="0">
+            <a:spAutoFit/>
+          </a:bodyPr>
+          <a:lstStyle/>
+          <a:p>
+            <a:r>
+              <a:rPr lang="nl-NL" b="1" dirty="0">
+                <a:latin typeface="Arial" panose="020B0604020202020204" pitchFamily="34" charset="0"/>
+                <a:cs typeface="Arial" panose="020B0604020202020204" pitchFamily="34" charset="0"/>
+              </a:rPr>
+              <a:t>8</a:t>
+            </a:r>
+          </a:p>
+        </p:txBody>
+      </p:sp>
+      <p:sp>
+        <p:nvSpPr>
+          <p:cNvPr id="81" name="Tekstvak 80">
+            <a:extLst>
+              <a:ext uri="{FF2B5EF4-FFF2-40B4-BE49-F238E27FC236}">
+                <a16:creationId xmlns:a16="http://schemas.microsoft.com/office/drawing/2014/main" id="{EBE07C46-38B3-19EF-0024-53C5B5E15AEB}"/>
+              </a:ext>
+            </a:extLst>
+          </p:cNvPr>
+          <p:cNvSpPr txBox="1"/>
+          <p:nvPr/>
+        </p:nvSpPr>
+        <p:spPr>
+          <a:xfrm>
+            <a:off x="6528737" y="284267"/>
+            <a:ext cx="1140031" cy="369332"/>
+          </a:xfrm>
+          <a:prstGeom prst="rect">
+            <a:avLst/>
+          </a:prstGeom>
+          <a:noFill/>
+        </p:spPr>
+        <p:txBody>
+          <a:bodyPr wrap="square" rtlCol="0">
+            <a:spAutoFit/>
+          </a:bodyPr>
+          <a:lstStyle/>
+          <a:p>
+            <a:r>
+              <a:rPr lang="nl-NL" b="1" dirty="0">
+                <a:latin typeface="Arial" panose="020B0604020202020204" pitchFamily="34" charset="0"/>
+                <a:cs typeface="Arial" panose="020B0604020202020204" pitchFamily="34" charset="0"/>
+              </a:rPr>
+              <a:t>9</a:t>
+            </a:r>
+          </a:p>
+        </p:txBody>
+      </p:sp>
+      <p:sp>
+        <p:nvSpPr>
+          <p:cNvPr id="82" name="Tekstvak 81">
+            <a:extLst>
+              <a:ext uri="{FF2B5EF4-FFF2-40B4-BE49-F238E27FC236}">
+                <a16:creationId xmlns:a16="http://schemas.microsoft.com/office/drawing/2014/main" id="{0AD975BA-3F96-0A93-BF14-5D1828CF854E}"/>
+              </a:ext>
+            </a:extLst>
+          </p:cNvPr>
+          <p:cNvSpPr txBox="1"/>
+          <p:nvPr/>
+        </p:nvSpPr>
+        <p:spPr>
+          <a:xfrm>
+            <a:off x="5775463" y="275411"/>
+            <a:ext cx="1140031" cy="369332"/>
+          </a:xfrm>
+          <a:prstGeom prst="rect">
+            <a:avLst/>
+          </a:prstGeom>
+          <a:noFill/>
+        </p:spPr>
+        <p:txBody>
+          <a:bodyPr wrap="square" rtlCol="0">
+            <a:spAutoFit/>
+          </a:bodyPr>
+          <a:lstStyle/>
+          <a:p>
+            <a:r>
+              <a:rPr lang="nl-NL" b="1" dirty="0">
+                <a:latin typeface="Arial" panose="020B0604020202020204" pitchFamily="34" charset="0"/>
+                <a:cs typeface="Arial" panose="020B0604020202020204" pitchFamily="34" charset="0"/>
+              </a:rPr>
+              <a:t>10</a:t>
             </a:r>
           </a:p>
         </p:txBody>
